--- a/source/TEMP/Team4화면설계.pptx
+++ b/source/TEMP/Team4화면설계.pptx
@@ -32860,7 +32860,7 @@
         <p:spPr bwMode="auto">
           <a:xfrm>
             <a:off x="2031177" y="2655577"/>
-            <a:ext cx="6192812" cy="752514"/>
+            <a:ext cx="6192812" cy="670440"/>
           </a:xfrm>
           <a:prstGeom prst="rect">
             <a:avLst/>
@@ -33101,188 +33101,188 @@
               <a:buClrTx/>
             </a:pPr>
             <a:r>
-              <a:rPr lang="en-US" altLang="ko-KR" sz="1100" b="0" dirty="0">
+              <a:rPr lang="en-US" altLang="ko-KR" sz="1000" b="0" dirty="0">
                 <a:latin typeface="맑은 고딕" pitchFamily="50" charset="-127"/>
                 <a:ea typeface="맑은 고딕" pitchFamily="50" charset="-127"/>
               </a:rPr>
               <a:t>GRID : </a:t>
             </a:r>
             <a:r>
-              <a:rPr lang="ko-KR" altLang="en-US" sz="1100" b="0" dirty="0" err="1">
+              <a:rPr lang="ko-KR" altLang="en-US" sz="1000" b="0" dirty="0" err="1">
                 <a:latin typeface="맑은 고딕" pitchFamily="50" charset="-127"/>
                 <a:ea typeface="맑은 고딕" pitchFamily="50" charset="-127"/>
               </a:rPr>
               <a:t>금형코드</a:t>
             </a:r>
             <a:r>
-              <a:rPr lang="en-US" altLang="ko-KR" sz="1100" b="0" dirty="0">
+              <a:rPr lang="en-US" altLang="ko-KR" sz="1000" b="0" dirty="0">
                 <a:latin typeface="맑은 고딕" pitchFamily="50" charset="-127"/>
                 <a:ea typeface="맑은 고딕" pitchFamily="50" charset="-127"/>
               </a:rPr>
               <a:t>/</a:t>
             </a:r>
             <a:r>
-              <a:rPr lang="ko-KR" altLang="en-US" sz="1100" b="0" dirty="0" err="1">
+              <a:rPr lang="ko-KR" altLang="en-US" sz="1000" b="0" dirty="0" err="1">
                 <a:latin typeface="맑은 고딕" pitchFamily="50" charset="-127"/>
                 <a:ea typeface="맑은 고딕" pitchFamily="50" charset="-127"/>
               </a:rPr>
               <a:t>금형명</a:t>
             </a:r>
             <a:r>
-              <a:rPr lang="en-US" altLang="ko-KR" sz="1100" b="0" dirty="0">
+              <a:rPr lang="en-US" altLang="ko-KR" sz="1000" b="0" dirty="0">
                 <a:latin typeface="맑은 고딕" pitchFamily="50" charset="-127"/>
                 <a:ea typeface="맑은 고딕" pitchFamily="50" charset="-127"/>
               </a:rPr>
               <a:t>/</a:t>
             </a:r>
             <a:r>
-              <a:rPr lang="ko-KR" altLang="en-US" sz="1100" b="0" dirty="0" err="1">
+              <a:rPr lang="ko-KR" altLang="en-US" sz="1000" b="0" dirty="0" err="1">
                 <a:latin typeface="맑은 고딕" pitchFamily="50" charset="-127"/>
                 <a:ea typeface="맑은 고딕" pitchFamily="50" charset="-127"/>
               </a:rPr>
               <a:t>금형그룹</a:t>
             </a:r>
             <a:r>
-              <a:rPr lang="en-US" altLang="ko-KR" sz="1100" b="0" dirty="0">
+              <a:rPr lang="en-US" altLang="ko-KR" sz="1000" b="0" dirty="0">
                 <a:latin typeface="맑은 고딕" pitchFamily="50" charset="-127"/>
                 <a:ea typeface="맑은 고딕" pitchFamily="50" charset="-127"/>
               </a:rPr>
               <a:t>/</a:t>
             </a:r>
             <a:r>
-              <a:rPr lang="ko-KR" altLang="en-US" sz="1100" b="0" dirty="0" err="1">
+              <a:rPr lang="ko-KR" altLang="en-US" sz="1000" b="0" dirty="0" err="1">
                 <a:latin typeface="맑은 고딕" pitchFamily="50" charset="-127"/>
                 <a:ea typeface="맑은 고딕" pitchFamily="50" charset="-127"/>
               </a:rPr>
               <a:t>금형상태</a:t>
             </a:r>
             <a:r>
-              <a:rPr lang="en-US" altLang="ko-KR" sz="1100" b="0" dirty="0">
+              <a:rPr lang="en-US" altLang="ko-KR" sz="1000" b="0" dirty="0">
                 <a:latin typeface="맑은 고딕" pitchFamily="50" charset="-127"/>
                 <a:ea typeface="맑은 고딕" pitchFamily="50" charset="-127"/>
               </a:rPr>
               <a:t>/</a:t>
             </a:r>
             <a:r>
-              <a:rPr lang="ko-KR" altLang="en-US" sz="1100" b="0" dirty="0">
+              <a:rPr lang="ko-KR" altLang="en-US" sz="1000" b="0" dirty="0">
                 <a:latin typeface="맑은 고딕" pitchFamily="50" charset="-127"/>
                 <a:ea typeface="맑은 고딕" pitchFamily="50" charset="-127"/>
               </a:rPr>
               <a:t>금형누적타수</a:t>
             </a:r>
             <a:r>
-              <a:rPr lang="en-US" altLang="ko-KR" sz="1100" b="0" dirty="0">
+              <a:rPr lang="en-US" altLang="ko-KR" sz="1000" b="0" dirty="0">
                 <a:latin typeface="맑은 고딕" pitchFamily="50" charset="-127"/>
                 <a:ea typeface="맑은 고딕" pitchFamily="50" charset="-127"/>
               </a:rPr>
               <a:t>/</a:t>
             </a:r>
             <a:r>
-              <a:rPr lang="ko-KR" altLang="en-US" sz="1100" b="0" dirty="0">
+              <a:rPr lang="ko-KR" altLang="en-US" sz="1000" b="0" dirty="0">
                 <a:latin typeface="맑은 고딕" pitchFamily="50" charset="-127"/>
                 <a:ea typeface="맑은 고딕" pitchFamily="50" charset="-127"/>
               </a:rPr>
               <a:t>금형누적생산량</a:t>
             </a:r>
             <a:r>
-              <a:rPr lang="en-US" altLang="ko-KR" sz="1100" b="0" dirty="0">
+              <a:rPr lang="en-US" altLang="ko-KR" sz="1000" b="0" dirty="0">
                 <a:latin typeface="맑은 고딕" pitchFamily="50" charset="-127"/>
                 <a:ea typeface="맑은 고딕" pitchFamily="50" charset="-127"/>
               </a:rPr>
               <a:t>/</a:t>
             </a:r>
             <a:r>
-              <a:rPr lang="ko-KR" altLang="en-US" sz="1100" b="0" dirty="0">
+              <a:rPr lang="ko-KR" altLang="en-US" sz="1000" b="0" dirty="0">
                 <a:latin typeface="맑은 고딕" pitchFamily="50" charset="-127"/>
                 <a:ea typeface="맑은 고딕" pitchFamily="50" charset="-127"/>
               </a:rPr>
               <a:t>금형누적사용시간</a:t>
             </a:r>
             <a:r>
-              <a:rPr lang="en-US" altLang="ko-KR" sz="1100" b="0" dirty="0">
+              <a:rPr lang="en-US" altLang="ko-KR" sz="1000" b="0" dirty="0">
                 <a:latin typeface="맑은 고딕" pitchFamily="50" charset="-127"/>
                 <a:ea typeface="맑은 고딕" pitchFamily="50" charset="-127"/>
               </a:rPr>
               <a:t>/</a:t>
             </a:r>
             <a:r>
-              <a:rPr lang="ko-KR" altLang="en-US" sz="1100" b="0" dirty="0" err="1">
+              <a:rPr lang="ko-KR" altLang="en-US" sz="1000" b="0" dirty="0" err="1">
                 <a:latin typeface="맑은 고딕" pitchFamily="50" charset="-127"/>
                 <a:ea typeface="맑은 고딕" pitchFamily="50" charset="-127"/>
               </a:rPr>
               <a:t>보장타수</a:t>
             </a:r>
             <a:r>
-              <a:rPr lang="en-US" altLang="ko-KR" sz="1100" b="0" dirty="0">
+              <a:rPr lang="en-US" altLang="ko-KR" sz="1000" b="0" dirty="0">
                 <a:latin typeface="맑은 고딕" pitchFamily="50" charset="-127"/>
                 <a:ea typeface="맑은 고딕" pitchFamily="50" charset="-127"/>
               </a:rPr>
               <a:t>/</a:t>
             </a:r>
             <a:r>
-              <a:rPr lang="ko-KR" altLang="en-US" sz="1100" b="0" dirty="0" err="1">
+              <a:rPr lang="ko-KR" altLang="en-US" sz="1000" b="0" dirty="0" err="1">
                 <a:latin typeface="맑은 고딕" pitchFamily="50" charset="-127"/>
                 <a:ea typeface="맑은 고딕" pitchFamily="50" charset="-127"/>
               </a:rPr>
               <a:t>구입금액</a:t>
             </a:r>
             <a:r>
-              <a:rPr lang="en-US" altLang="ko-KR" sz="1100" b="0" dirty="0">
+              <a:rPr lang="en-US" altLang="ko-KR" sz="1000" b="0" dirty="0">
                 <a:latin typeface="맑은 고딕" pitchFamily="50" charset="-127"/>
                 <a:ea typeface="맑은 고딕" pitchFamily="50" charset="-127"/>
               </a:rPr>
               <a:t>/</a:t>
             </a:r>
             <a:r>
-              <a:rPr lang="ko-KR" altLang="en-US" sz="1100" b="0" dirty="0" err="1">
+              <a:rPr lang="ko-KR" altLang="en-US" sz="1000" b="0" dirty="0" err="1">
                 <a:latin typeface="맑은 고딕" pitchFamily="50" charset="-127"/>
                 <a:ea typeface="맑은 고딕" pitchFamily="50" charset="-127"/>
               </a:rPr>
               <a:t>입고일자</a:t>
             </a:r>
             <a:r>
-              <a:rPr lang="en-US" altLang="ko-KR" sz="1100" b="0" dirty="0">
+              <a:rPr lang="en-US" altLang="ko-KR" sz="1000" b="0" dirty="0">
                 <a:latin typeface="맑은 고딕" pitchFamily="50" charset="-127"/>
                 <a:ea typeface="맑은 고딕" pitchFamily="50" charset="-127"/>
               </a:rPr>
               <a:t>/</a:t>
             </a:r>
             <a:r>
-              <a:rPr lang="ko-KR" altLang="en-US" sz="1100" b="0" dirty="0">
+              <a:rPr lang="ko-KR" altLang="en-US" sz="1000" b="0" dirty="0">
                 <a:latin typeface="맑은 고딕" pitchFamily="50" charset="-127"/>
                 <a:ea typeface="맑은 고딕" pitchFamily="50" charset="-127"/>
               </a:rPr>
               <a:t>최종장착일시</a:t>
             </a:r>
             <a:r>
-              <a:rPr lang="en-US" altLang="ko-KR" sz="1100" b="0" dirty="0">
+              <a:rPr lang="en-US" altLang="ko-KR" sz="1000" b="0" dirty="0">
                 <a:latin typeface="맑은 고딕" pitchFamily="50" charset="-127"/>
                 <a:ea typeface="맑은 고딕" pitchFamily="50" charset="-127"/>
               </a:rPr>
               <a:t>/</a:t>
             </a:r>
             <a:r>
-              <a:rPr lang="ko-KR" altLang="en-US" sz="1100" b="0" dirty="0">
+              <a:rPr lang="ko-KR" altLang="en-US" sz="1000" b="0" dirty="0">
                 <a:latin typeface="맑은 고딕" pitchFamily="50" charset="-127"/>
                 <a:ea typeface="맑은 고딕" pitchFamily="50" charset="-127"/>
               </a:rPr>
               <a:t>비고</a:t>
             </a:r>
             <a:r>
-              <a:rPr lang="en-US" altLang="ko-KR" sz="1100" b="0" dirty="0">
+              <a:rPr lang="en-US" altLang="ko-KR" sz="1000" b="0" dirty="0">
                 <a:latin typeface="맑은 고딕" pitchFamily="50" charset="-127"/>
                 <a:ea typeface="맑은 고딕" pitchFamily="50" charset="-127"/>
               </a:rPr>
               <a:t>/</a:t>
             </a:r>
             <a:r>
-              <a:rPr lang="ko-KR" altLang="en-US" sz="1100" b="0" dirty="0" err="1">
+              <a:rPr lang="ko-KR" altLang="en-US" sz="1000" b="0" dirty="0" err="1">
                 <a:latin typeface="맑은 고딕" pitchFamily="50" charset="-127"/>
                 <a:ea typeface="맑은 고딕" pitchFamily="50" charset="-127"/>
               </a:rPr>
               <a:t>사용유무</a:t>
             </a:r>
-            <a:endParaRPr lang="ko-KR" altLang="en-US" sz="1100" b="0" dirty="0">
+            <a:endParaRPr lang="ko-KR" altLang="en-US" sz="1000" b="0" dirty="0">
               <a:latin typeface="맑은 고딕" pitchFamily="50" charset="-127"/>
               <a:ea typeface="맑은 고딕" pitchFamily="50" charset="-127"/>
             </a:endParaRPr>

--- a/source/TEMP/Team4화면설계.pptx
+++ b/source/TEMP/Team4화면설계.pptx
@@ -35961,7 +35961,7 @@
         <p:spPr>
           <a:xfrm>
             <a:off x="9306604" y="440789"/>
-            <a:ext cx="2641142" cy="2350772"/>
+            <a:ext cx="2641142" cy="1935273"/>
           </a:xfrm>
           <a:prstGeom prst="rect">
             <a:avLst/>
@@ -35988,7 +35988,38 @@
             </a:r>
             <a:r>
               <a:rPr lang="ko-KR" altLang="en-US" sz="900" dirty="0"/>
-              <a:t>로그인</a:t>
+              <a:t>생산의뢰 다운로드</a:t>
+            </a:r>
+            <a:endParaRPr lang="en-US" altLang="ko-KR" sz="900" dirty="0"/>
+          </a:p>
+          <a:p>
+            <a:pPr>
+              <a:lnSpc>
+                <a:spcPct val="150000"/>
+              </a:lnSpc>
+            </a:pPr>
+            <a:r>
+              <a:rPr lang="ko-KR" altLang="en-US" sz="900" dirty="0"/>
+              <a:t>생산의뢰를 다운로드 받아 목록을 구성한다</a:t>
+            </a:r>
+            <a:r>
+              <a:rPr lang="en-US" altLang="ko-KR" sz="900" dirty="0"/>
+              <a:t>. </a:t>
+            </a:r>
+          </a:p>
+          <a:p>
+            <a:pPr>
+              <a:lnSpc>
+                <a:spcPct val="150000"/>
+              </a:lnSpc>
+            </a:pPr>
+            <a:r>
+              <a:rPr lang="en-US" altLang="ko-KR" sz="900" dirty="0"/>
+              <a:t>② </a:t>
+            </a:r>
+            <a:r>
+              <a:rPr lang="ko-KR" altLang="en-US" sz="900" dirty="0"/>
+              <a:t>회원가입</a:t>
             </a:r>
             <a:endParaRPr lang="en-US" altLang="ko-KR" sz="900" dirty="0"/>
           </a:p>
@@ -36002,90 +36033,12 @@
             </a:pPr>
             <a:r>
               <a:rPr lang="ko-KR" altLang="en-US" sz="900" dirty="0"/>
-              <a:t>클릭 시 </a:t>
-            </a:r>
-            <a:r>
-              <a:rPr lang="en-US" altLang="ko-KR" sz="900" dirty="0"/>
-              <a:t>ID</a:t>
-            </a:r>
-            <a:r>
-              <a:rPr lang="ko-KR" altLang="en-US" sz="900" dirty="0"/>
-              <a:t>텍스트 박스의 문자열을 가져와서</a:t>
-            </a:r>
-            <a:endParaRPr lang="en-US" altLang="ko-KR" sz="900" dirty="0"/>
-          </a:p>
-          <a:p>
-            <a:pPr>
-              <a:lnSpc>
-                <a:spcPct val="150000"/>
-              </a:lnSpc>
-            </a:pPr>
-            <a:r>
-              <a:rPr lang="en-US" altLang="ko-KR" sz="900" dirty="0"/>
-              <a:t>    </a:t>
-            </a:r>
-            <a:r>
-              <a:rPr lang="ko-KR" altLang="en-US" sz="900" dirty="0"/>
-              <a:t>비밀번호가 맞으면 로그인한다</a:t>
+              <a:t>생성된 생산의뢰를 선택하여 작업지시를 생성한다</a:t>
             </a:r>
             <a:r>
               <a:rPr lang="en-US" altLang="ko-KR" sz="900" dirty="0"/>
               <a:t>.</a:t>
             </a:r>
-          </a:p>
-          <a:p>
-            <a:pPr>
-              <a:lnSpc>
-                <a:spcPct val="150000"/>
-              </a:lnSpc>
-            </a:pPr>
-            <a:r>
-              <a:rPr lang="en-US" altLang="ko-KR" sz="900" dirty="0"/>
-              <a:t> </a:t>
-            </a:r>
-          </a:p>
-          <a:p>
-            <a:pPr>
-              <a:lnSpc>
-                <a:spcPct val="150000"/>
-              </a:lnSpc>
-            </a:pPr>
-            <a:r>
-              <a:rPr lang="en-US" altLang="ko-KR" sz="900" dirty="0"/>
-              <a:t>② </a:t>
-            </a:r>
-            <a:r>
-              <a:rPr lang="ko-KR" altLang="en-US" sz="900" dirty="0"/>
-              <a:t>회원가입</a:t>
-            </a:r>
-            <a:endParaRPr lang="en-US" altLang="ko-KR" sz="900" dirty="0"/>
-          </a:p>
-          <a:p>
-            <a:pPr marL="171450" indent="-171450">
-              <a:lnSpc>
-                <a:spcPct val="150000"/>
-              </a:lnSpc>
-              <a:buFont typeface="Symbol" panose="05050102010706020507" pitchFamily="18" charset="2"/>
-              <a:buChar char="Þ"/>
-            </a:pPr>
-            <a:r>
-              <a:rPr lang="ko-KR" altLang="en-US" sz="900" dirty="0"/>
-              <a:t>회원 가입을 하는 윈도우를 연다</a:t>
-            </a:r>
-            <a:r>
-              <a:rPr lang="en-US" altLang="ko-KR" sz="900" dirty="0"/>
-              <a:t>.</a:t>
-            </a:r>
-          </a:p>
-          <a:p>
-            <a:pPr marL="171450" indent="-171450">
-              <a:lnSpc>
-                <a:spcPct val="150000"/>
-              </a:lnSpc>
-              <a:buFont typeface="Symbol" panose="05050102010706020507" pitchFamily="18" charset="2"/>
-              <a:buChar char="Þ"/>
-            </a:pPr>
-            <a:endParaRPr lang="en-US" altLang="ko-KR" sz="900" dirty="0"/>
           </a:p>
           <a:p>
             <a:pPr>
@@ -37065,6 +37018,84 @@
               <a:latin typeface="맑은 고딕" pitchFamily="50" charset="-127"/>
               <a:ea typeface="맑은 고딕" pitchFamily="50" charset="-127"/>
             </a:endParaRPr>
+          </a:p>
+        </p:txBody>
+      </p:sp>
+      <p:sp>
+        <p:nvSpPr>
+          <p:cNvPr id="6" name="TextBox 5">
+            <a:extLst>
+              <a:ext uri="{FF2B5EF4-FFF2-40B4-BE49-F238E27FC236}">
+                <a16:creationId xmlns:a16="http://schemas.microsoft.com/office/drawing/2014/main" id="{4B578B79-5F7D-4898-968E-6B49A9C24492}"/>
+              </a:ext>
+            </a:extLst>
+          </p:cNvPr>
+          <p:cNvSpPr txBox="1"/>
+          <p:nvPr/>
+        </p:nvSpPr>
+        <p:spPr>
+          <a:xfrm>
+            <a:off x="7728636" y="1762937"/>
+            <a:ext cx="327171" cy="261610"/>
+          </a:xfrm>
+          <a:prstGeom prst="rect">
+            <a:avLst/>
+          </a:prstGeom>
+          <a:noFill/>
+        </p:spPr>
+        <p:txBody>
+          <a:bodyPr wrap="square" rtlCol="0">
+            <a:spAutoFit/>
+          </a:bodyPr>
+          <a:lstStyle/>
+          <a:p>
+            <a:r>
+              <a:rPr lang="ko-KR" altLang="en-US" sz="1100" dirty="0">
+                <a:solidFill>
+                  <a:srgbClr val="FF0000"/>
+                </a:solidFill>
+              </a:rPr>
+              <a:t>①</a:t>
+            </a:r>
+          </a:p>
+        </p:txBody>
+      </p:sp>
+      <p:sp>
+        <p:nvSpPr>
+          <p:cNvPr id="22" name="TextBox 21">
+            <a:extLst>
+              <a:ext uri="{FF2B5EF4-FFF2-40B4-BE49-F238E27FC236}">
+                <a16:creationId xmlns:a16="http://schemas.microsoft.com/office/drawing/2014/main" id="{452BECAC-6AFE-498A-9E29-DBF581F48C99}"/>
+              </a:ext>
+            </a:extLst>
+          </p:cNvPr>
+          <p:cNvSpPr txBox="1"/>
+          <p:nvPr/>
+        </p:nvSpPr>
+        <p:spPr>
+          <a:xfrm>
+            <a:off x="1996019" y="2582926"/>
+            <a:ext cx="327171" cy="261610"/>
+          </a:xfrm>
+          <a:prstGeom prst="rect">
+            <a:avLst/>
+          </a:prstGeom>
+          <a:noFill/>
+        </p:spPr>
+        <p:txBody>
+          <a:bodyPr wrap="square" rtlCol="0">
+            <a:spAutoFit/>
+          </a:bodyPr>
+          <a:lstStyle/>
+          <a:p>
+            <a:r>
+              <a:rPr lang="ko-KR" altLang="en-US" sz="1100" dirty="0">
+                <a:solidFill>
+                  <a:srgbClr val="FF0000"/>
+                </a:solidFill>
+              </a:rPr>
+              <a:t>①</a:t>
+            </a:r>
           </a:p>
         </p:txBody>
       </p:sp>
